--- a/Meeting/Meeting_2.pptx
+++ b/Meeting/Meeting_2.pptx
@@ -7908,7 +7908,7 @@
           <a:p>
             <a:r>
               <a:rPr lang="en-GB" dirty="0"/>
-              <a:t>Summary of literature review</a:t>
+              <a:t>Summary of literature review / Work Conservation</a:t>
             </a:r>
           </a:p>
           <a:p>
@@ -8068,11 +8068,17 @@
           <a:p>
             <a:r>
               <a:rPr lang="en-GB" dirty="0"/>
-              <a:t>In overleaf (possibly need to add a </a:t>
+              <a:t>In overleaf (possibly need to add a RL paragraph)</a:t>
+            </a:r>
+          </a:p>
+          <a:p>
+            <a:r>
+              <a:rPr lang="en-GB" dirty="0"/>
+              <a:t>Some ideas possible controller </a:t>
             </a:r>
             <a:r>
               <a:rPr lang="en-GB"/>
-              <a:t>RL paragraph)</a:t>
+              <a:t>“features”</a:t>
             </a:r>
             <a:endParaRPr lang="en-GB" dirty="0"/>
           </a:p>
@@ -8415,6 +8421,19 @@
               <a:rPr lang="en-GB" dirty="0"/>
               <a:t>Rewrite code with better structure (on my personal git) </a:t>
             </a:r>
+          </a:p>
+          <a:p>
+            <a:r>
+              <a:rPr lang="en-GB" dirty="0"/>
+              <a:t>Implement idle time (all signals red)</a:t>
+            </a:r>
+          </a:p>
+          <a:p>
+            <a:r>
+              <a:rPr lang="en-GB"/>
+              <a:t>Communication delay?</a:t>
+            </a:r>
+            <a:endParaRPr lang="en-GB" dirty="0"/>
           </a:p>
         </p:txBody>
       </p:sp>
